--- a/Presentation.pptx
+++ b/Presentation.pptx
@@ -5,16 +5,15 @@
     <p:sldMasterId id="2147483648" r:id="rId1"/>
   </p:sldMasterIdLst>
   <p:notesMasterIdLst>
-    <p:notesMasterId r:id="rId9"/>
+    <p:notesMasterId r:id="rId8"/>
   </p:notesMasterIdLst>
   <p:sldIdLst>
     <p:sldId id="263" r:id="rId2"/>
     <p:sldId id="257" r:id="rId3"/>
-    <p:sldId id="258" r:id="rId4"/>
-    <p:sldId id="259" r:id="rId5"/>
-    <p:sldId id="260" r:id="rId6"/>
+    <p:sldId id="260" r:id="rId4"/>
+    <p:sldId id="258" r:id="rId5"/>
+    <p:sldId id="259" r:id="rId6"/>
     <p:sldId id="261" r:id="rId7"/>
-    <p:sldId id="264" r:id="rId8"/>
   </p:sldIdLst>
   <p:sldSz cx="12192000" cy="6858000"/>
   <p:notesSz cx="6858000" cy="9144000"/>
@@ -121,6 +120,15 @@
 </p:presentation>
 </file>
 
+<file path=ppt/revisionInfo.xml><?xml version="1.0" encoding="utf-8"?>
+<p1510:revInfo xmlns:a="http://schemas.openxmlformats.org/drawingml/2006/main" xmlns:r="http://schemas.openxmlformats.org/officeDocument/2006/relationships" xmlns:p1510="http://schemas.microsoft.com/office/powerpoint/2015/10/main">
+  <p1510:revLst>
+    <p1510:client id="{243E7B66-91E2-9032-332C-805E5C997DB5}" v="268" dt="2022-05-15T18:12:55.910"/>
+    <p1510:client id="{37910F0E-5A52-F38C-2C45-75A5D03A99DC}" v="125" dt="2022-05-15T14:21:32.840"/>
+  </p1510:revLst>
+</p1510:revInfo>
+</file>
+
 <file path=ppt/notesMasters/notesMaster1.xml><?xml version="1.0" encoding="utf-8"?>
 <p:notesMaster xmlns:a="http://schemas.openxmlformats.org/drawingml/2006/main" xmlns:r="http://schemas.openxmlformats.org/officeDocument/2006/relationships" xmlns:p="http://schemas.openxmlformats.org/presentationml/2006/main">
   <p:cSld>
@@ -170,7 +178,7 @@
             </a:lvl1pPr>
           </a:lstStyle>
           <a:p>
-            <a:endParaRPr lang="bg-BG" dirty="0"/>
+            <a:endParaRPr lang="bg-BG"/>
           </a:p>
         </p:txBody>
       </p:sp>
@@ -203,9 +211,9 @@
           <a:p>
             <a:fld id="{AE7BA408-30A0-47BD-BF99-8E76EC319113}" type="datetimeFigureOut">
               <a:rPr lang="bg-BG" smtClean="0"/>
-              <a:t>4.7.2023 г.</a:t>
+              <a:t>5.7.2023 г.</a:t>
             </a:fld>
-            <a:endParaRPr lang="bg-BG" dirty="0"/>
+            <a:endParaRPr lang="bg-BG"/>
           </a:p>
         </p:txBody>
       </p:sp>
@@ -238,7 +246,7 @@
           <a:bodyPr vert="horz" lIns="91440" tIns="45720" rIns="91440" bIns="45720" rtlCol="0" anchor="ctr"/>
           <a:lstStyle/>
           <a:p>
-            <a:endParaRPr lang="bg-BG" dirty="0"/>
+            <a:endParaRPr lang="bg-BG"/>
           </a:p>
         </p:txBody>
       </p:sp>
@@ -329,7 +337,7 @@
             </a:lvl1pPr>
           </a:lstStyle>
           <a:p>
-            <a:endParaRPr lang="bg-BG" dirty="0"/>
+            <a:endParaRPr lang="bg-BG"/>
           </a:p>
         </p:txBody>
       </p:sp>
@@ -364,7 +372,7 @@
               <a:rPr lang="bg-BG" smtClean="0"/>
               <a:t>‹#›</a:t>
             </a:fld>
-            <a:endParaRPr lang="bg-BG" dirty="0"/>
+            <a:endParaRPr lang="bg-BG"/>
           </a:p>
         </p:txBody>
       </p:sp>
@@ -563,7 +571,7 @@
               </a:spcAft>
               <a:buNone/>
             </a:pPr>
-            <a:endParaRPr dirty="0"/>
+            <a:endParaRPr/>
           </a:p>
         </p:txBody>
       </p:sp>
@@ -667,7 +675,7 @@
               </a:spcAft>
               <a:buNone/>
             </a:pPr>
-            <a:endParaRPr dirty="0"/>
+            <a:endParaRPr/>
           </a:p>
         </p:txBody>
       </p:sp>
@@ -684,7 +692,7 @@
   <p:cSld>
     <p:spTree>
       <p:nvGrpSpPr>
-        <p:cNvPr id="1" name="Shape 466"/>
+        <p:cNvPr id="1" name="Shape 490"/>
         <p:cNvGrpSpPr/>
         <p:nvPr/>
       </p:nvGrpSpPr>
@@ -698,7 +706,7 @@
       </p:grpSpPr>
       <p:sp>
         <p:nvSpPr>
-          <p:cNvPr id="467" name="Google Shape;467;gab8d1ca927_3_5:notes"/>
+          <p:cNvPr id="491" name="Google Shape;491;gab8d1ca927_3_206:notes"/>
           <p:cNvSpPr>
             <a:spLocks noGrp="1" noRot="1" noChangeAspect="1"/>
           </p:cNvSpPr>
@@ -739,7 +747,7 @@
       </p:sp>
       <p:sp>
         <p:nvSpPr>
-          <p:cNvPr id="468" name="Google Shape;468;gab8d1ca927_3_5:notes"/>
+          <p:cNvPr id="492" name="Google Shape;492;gab8d1ca927_3_206:notes"/>
           <p:cNvSpPr txBox="1">
             <a:spLocks noGrp="1"/>
           </p:cNvSpPr>
@@ -771,7 +779,7 @@
               </a:spcAft>
               <a:buNone/>
             </a:pPr>
-            <a:endParaRPr dirty="0"/>
+            <a:endParaRPr/>
           </a:p>
         </p:txBody>
       </p:sp>
@@ -788,7 +796,7 @@
   <p:cSld>
     <p:spTree>
       <p:nvGrpSpPr>
-        <p:cNvPr id="1" name="Shape 473"/>
+        <p:cNvPr id="1" name="Shape 466"/>
         <p:cNvGrpSpPr/>
         <p:nvPr/>
       </p:nvGrpSpPr>
@@ -802,7 +810,7 @@
       </p:grpSpPr>
       <p:sp>
         <p:nvSpPr>
-          <p:cNvPr id="474" name="Google Shape;474;gb347e33ac9_0_5:notes"/>
+          <p:cNvPr id="467" name="Google Shape;467;gab8d1ca927_3_5:notes"/>
           <p:cNvSpPr>
             <a:spLocks noGrp="1" noRot="1" noChangeAspect="1"/>
           </p:cNvSpPr>
@@ -843,7 +851,7 @@
       </p:sp>
       <p:sp>
         <p:nvSpPr>
-          <p:cNvPr id="475" name="Google Shape;475;gb347e33ac9_0_5:notes"/>
+          <p:cNvPr id="468" name="Google Shape;468;gab8d1ca927_3_5:notes"/>
           <p:cNvSpPr txBox="1">
             <a:spLocks noGrp="1"/>
           </p:cNvSpPr>
@@ -875,7 +883,7 @@
               </a:spcAft>
               <a:buNone/>
             </a:pPr>
-            <a:endParaRPr dirty="0"/>
+            <a:endParaRPr/>
           </a:p>
         </p:txBody>
       </p:sp>
@@ -892,7 +900,7 @@
   <p:cSld>
     <p:spTree>
       <p:nvGrpSpPr>
-        <p:cNvPr id="1" name="Shape 490"/>
+        <p:cNvPr id="1" name="Shape 473"/>
         <p:cNvGrpSpPr/>
         <p:nvPr/>
       </p:nvGrpSpPr>
@@ -906,7 +914,7 @@
       </p:grpSpPr>
       <p:sp>
         <p:nvSpPr>
-          <p:cNvPr id="491" name="Google Shape;491;gab8d1ca927_3_206:notes"/>
+          <p:cNvPr id="474" name="Google Shape;474;gb347e33ac9_0_5:notes"/>
           <p:cNvSpPr>
             <a:spLocks noGrp="1" noRot="1" noChangeAspect="1"/>
           </p:cNvSpPr>
@@ -947,7 +955,7 @@
       </p:sp>
       <p:sp>
         <p:nvSpPr>
-          <p:cNvPr id="492" name="Google Shape;492;gab8d1ca927_3_206:notes"/>
+          <p:cNvPr id="475" name="Google Shape;475;gb347e33ac9_0_5:notes"/>
           <p:cNvSpPr txBox="1">
             <a:spLocks noGrp="1"/>
           </p:cNvSpPr>
@@ -979,7 +987,7 @@
               </a:spcAft>
               <a:buNone/>
             </a:pPr>
-            <a:endParaRPr dirty="0"/>
+            <a:endParaRPr/>
           </a:p>
         </p:txBody>
       </p:sp>
@@ -1083,120 +1091,11 @@
               </a:spcAft>
               <a:buNone/>
             </a:pPr>
-            <a:endParaRPr dirty="0"/>
+            <a:endParaRPr/>
           </a:p>
         </p:txBody>
       </p:sp>
     </p:spTree>
-  </p:cSld>
-  <p:clrMapOvr>
-    <a:masterClrMapping/>
-  </p:clrMapOvr>
-</p:notes>
-</file>
-
-<file path=ppt/notesSlides/notesSlide7.xml><?xml version="1.0" encoding="utf-8"?>
-<p:notes xmlns:a="http://schemas.openxmlformats.org/drawingml/2006/main" xmlns:r="http://schemas.openxmlformats.org/officeDocument/2006/relationships" xmlns:p="http://schemas.openxmlformats.org/presentationml/2006/main" showMasterSp="0" showMasterPhAnim="0">
-  <p:cSld>
-    <p:spTree>
-      <p:nvGrpSpPr>
-        <p:cNvPr id="1" name="Shape 501"/>
-        <p:cNvGrpSpPr/>
-        <p:nvPr/>
-      </p:nvGrpSpPr>
-      <p:grpSpPr>
-        <a:xfrm>
-          <a:off x="0" y="0"/>
-          <a:ext cx="0" cy="0"/>
-          <a:chOff x="0" y="0"/>
-          <a:chExt cx="0" cy="0"/>
-        </a:xfrm>
-      </p:grpSpPr>
-      <p:sp>
-        <p:nvSpPr>
-          <p:cNvPr id="502" name="Google Shape;502;gab8d1ca927_3_608:notes"/>
-          <p:cNvSpPr>
-            <a:spLocks noGrp="1" noRot="1" noChangeAspect="1"/>
-          </p:cNvSpPr>
-          <p:nvPr>
-            <p:ph type="sldImg" idx="2"/>
-          </p:nvPr>
-        </p:nvSpPr>
-        <p:spPr>
-          <a:xfrm>
-            <a:off x="381000" y="685800"/>
-            <a:ext cx="6096000" cy="3429000"/>
-          </a:xfrm>
-          <a:custGeom>
-            <a:avLst/>
-            <a:gdLst/>
-            <a:ahLst/>
-            <a:cxnLst/>
-            <a:rect l="l" t="t" r="r" b="b"/>
-            <a:pathLst>
-              <a:path w="120000" h="120000" extrusionOk="0">
-                <a:moveTo>
-                  <a:pt x="0" y="0"/>
-                </a:moveTo>
-                <a:lnTo>
-                  <a:pt x="120000" y="0"/>
-                </a:lnTo>
-                <a:lnTo>
-                  <a:pt x="120000" y="120000"/>
-                </a:lnTo>
-                <a:lnTo>
-                  <a:pt x="0" y="120000"/>
-                </a:lnTo>
-                <a:close/>
-              </a:path>
-            </a:pathLst>
-          </a:custGeom>
-        </p:spPr>
-      </p:sp>
-      <p:sp>
-        <p:nvSpPr>
-          <p:cNvPr id="503" name="Google Shape;503;gab8d1ca927_3_608:notes"/>
-          <p:cNvSpPr txBox="1">
-            <a:spLocks noGrp="1"/>
-          </p:cNvSpPr>
-          <p:nvPr>
-            <p:ph type="body" idx="1"/>
-          </p:nvPr>
-        </p:nvSpPr>
-        <p:spPr>
-          <a:xfrm>
-            <a:off x="685800" y="4343400"/>
-            <a:ext cx="5486400" cy="4114800"/>
-          </a:xfrm>
-          <a:prstGeom prst="rect">
-            <a:avLst/>
-          </a:prstGeom>
-        </p:spPr>
-        <p:txBody>
-          <a:bodyPr spcFirstLastPara="1" wrap="square" lIns="91425" tIns="91425" rIns="91425" bIns="91425" anchor="t" anchorCtr="0">
-            <a:noAutofit/>
-          </a:bodyPr>
-          <a:lstStyle/>
-          <a:p>
-            <a:pPr marL="0" lvl="0" indent="0" algn="l" rtl="0">
-              <a:spcBef>
-                <a:spcPts val="0"/>
-              </a:spcBef>
-              <a:spcAft>
-                <a:spcPts val="0"/>
-              </a:spcAft>
-              <a:buNone/>
-            </a:pPr>
-            <a:endParaRPr dirty="0"/>
-          </a:p>
-        </p:txBody>
-      </p:sp>
-    </p:spTree>
-    <p:extLst>
-      <p:ext uri="{BB962C8B-B14F-4D97-AF65-F5344CB8AC3E}">
-        <p14:creationId xmlns:p14="http://schemas.microsoft.com/office/powerpoint/2010/main" val="3118568489"/>
-      </p:ext>
-    </p:extLst>
   </p:cSld>
   <p:clrMapOvr>
     <a:masterClrMapping/>
@@ -1353,9 +1252,9 @@
           <a:p>
             <a:fld id="{96A54FD2-9807-47AE-B332-82BE46C02019}" type="datetimeFigureOut">
               <a:rPr lang="bg-BG" smtClean="0"/>
-              <a:t>4.7.2023 г.</a:t>
+              <a:t>5.7.2023 г.</a:t>
             </a:fld>
-            <a:endParaRPr lang="bg-BG" dirty="0"/>
+            <a:endParaRPr lang="bg-BG"/>
           </a:p>
         </p:txBody>
       </p:sp>
@@ -1380,7 +1279,7 @@
           <a:bodyPr/>
           <a:lstStyle/>
           <a:p>
-            <a:endParaRPr lang="bg-BG" dirty="0"/>
+            <a:endParaRPr lang="bg-BG"/>
           </a:p>
         </p:txBody>
       </p:sp>
@@ -1409,7 +1308,7 @@
               <a:rPr lang="bg-BG" smtClean="0"/>
               <a:t>‹#›</a:t>
             </a:fld>
-            <a:endParaRPr lang="bg-BG" dirty="0"/>
+            <a:endParaRPr lang="bg-BG"/>
           </a:p>
         </p:txBody>
       </p:sp>
@@ -1553,9 +1452,9 @@
           <a:p>
             <a:fld id="{96A54FD2-9807-47AE-B332-82BE46C02019}" type="datetimeFigureOut">
               <a:rPr lang="bg-BG" smtClean="0"/>
-              <a:t>4.7.2023 г.</a:t>
+              <a:t>5.7.2023 г.</a:t>
             </a:fld>
-            <a:endParaRPr lang="bg-BG" dirty="0"/>
+            <a:endParaRPr lang="bg-BG"/>
           </a:p>
         </p:txBody>
       </p:sp>
@@ -1580,7 +1479,7 @@
           <a:bodyPr/>
           <a:lstStyle/>
           <a:p>
-            <a:endParaRPr lang="bg-BG" dirty="0"/>
+            <a:endParaRPr lang="bg-BG"/>
           </a:p>
         </p:txBody>
       </p:sp>
@@ -1609,7 +1508,7 @@
               <a:rPr lang="bg-BG" smtClean="0"/>
               <a:t>‹#›</a:t>
             </a:fld>
-            <a:endParaRPr lang="bg-BG" dirty="0"/>
+            <a:endParaRPr lang="bg-BG"/>
           </a:p>
         </p:txBody>
       </p:sp>
@@ -1763,9 +1662,9 @@
           <a:p>
             <a:fld id="{96A54FD2-9807-47AE-B332-82BE46C02019}" type="datetimeFigureOut">
               <a:rPr lang="bg-BG" smtClean="0"/>
-              <a:t>4.7.2023 г.</a:t>
+              <a:t>5.7.2023 г.</a:t>
             </a:fld>
-            <a:endParaRPr lang="bg-BG" dirty="0"/>
+            <a:endParaRPr lang="bg-BG"/>
           </a:p>
         </p:txBody>
       </p:sp>
@@ -1790,7 +1689,7 @@
           <a:bodyPr/>
           <a:lstStyle/>
           <a:p>
-            <a:endParaRPr lang="bg-BG" dirty="0"/>
+            <a:endParaRPr lang="bg-BG"/>
           </a:p>
         </p:txBody>
       </p:sp>
@@ -1819,7 +1718,7 @@
               <a:rPr lang="bg-BG" smtClean="0"/>
               <a:t>‹#›</a:t>
             </a:fld>
-            <a:endParaRPr lang="bg-BG" dirty="0"/>
+            <a:endParaRPr lang="bg-BG"/>
           </a:p>
         </p:txBody>
       </p:sp>
@@ -2246,7 +2145,7 @@
                 </a:spcAft>
                 <a:buNone/>
               </a:pPr>
-              <a:endParaRPr sz="2400" dirty="0"/>
+              <a:endParaRPr sz="2400"/>
             </a:p>
           </p:txBody>
         </p:sp>
@@ -2348,7 +2247,7 @@
                 </a:spcAft>
                 <a:buNone/>
               </a:pPr>
-              <a:endParaRPr sz="2400" dirty="0"/>
+              <a:endParaRPr sz="2400"/>
             </a:p>
           </p:txBody>
         </p:sp>
@@ -2436,7 +2335,7 @@
                 </a:spcAft>
                 <a:buNone/>
               </a:pPr>
-              <a:endParaRPr sz="2400" dirty="0"/>
+              <a:endParaRPr sz="2400"/>
             </a:p>
           </p:txBody>
         </p:sp>
@@ -2476,7 +2375,7 @@
                 </a:spcAft>
                 <a:buNone/>
               </a:pPr>
-              <a:endParaRPr sz="2400" dirty="0"/>
+              <a:endParaRPr sz="2400"/>
             </a:p>
           </p:txBody>
         </p:sp>
@@ -2516,7 +2415,7 @@
                 </a:spcAft>
                 <a:buNone/>
               </a:pPr>
-              <a:endParaRPr sz="2400" dirty="0"/>
+              <a:endParaRPr sz="2400"/>
             </a:p>
           </p:txBody>
         </p:sp>
@@ -2556,7 +2455,7 @@
                 </a:spcAft>
                 <a:buNone/>
               </a:pPr>
-              <a:endParaRPr sz="2400" dirty="0"/>
+              <a:endParaRPr sz="2400"/>
             </a:p>
           </p:txBody>
         </p:sp>
@@ -2693,7 +2592,7 @@
                 </a:spcAft>
                 <a:buNone/>
               </a:pPr>
-              <a:endParaRPr sz="2400" dirty="0"/>
+              <a:endParaRPr sz="2400"/>
             </a:p>
           </p:txBody>
         </p:sp>
@@ -2795,7 +2694,7 @@
                 </a:spcAft>
                 <a:buNone/>
               </a:pPr>
-              <a:endParaRPr sz="2400" dirty="0"/>
+              <a:endParaRPr sz="2400"/>
             </a:p>
           </p:txBody>
         </p:sp>
@@ -2883,7 +2782,7 @@
                 </a:spcAft>
                 <a:buNone/>
               </a:pPr>
-              <a:endParaRPr sz="2400" dirty="0"/>
+              <a:endParaRPr sz="2400"/>
             </a:p>
           </p:txBody>
         </p:sp>
@@ -2923,7 +2822,7 @@
                 </a:spcAft>
                 <a:buNone/>
               </a:pPr>
-              <a:endParaRPr sz="2400" dirty="0"/>
+              <a:endParaRPr sz="2400"/>
             </a:p>
           </p:txBody>
         </p:sp>
@@ -2963,7 +2862,7 @@
                 </a:spcAft>
                 <a:buNone/>
               </a:pPr>
-              <a:endParaRPr sz="2400" dirty="0"/>
+              <a:endParaRPr sz="2400"/>
             </a:p>
           </p:txBody>
         </p:sp>
@@ -3003,7 +2902,7 @@
                 </a:spcAft>
                 <a:buNone/>
               </a:pPr>
-              <a:endParaRPr sz="2400" dirty="0"/>
+              <a:endParaRPr sz="2400"/>
             </a:p>
           </p:txBody>
         </p:sp>
@@ -3424,7 +3323,7 @@
               </a:spcAft>
               <a:buNone/>
             </a:pPr>
-            <a:endParaRPr sz="2400" dirty="0"/>
+            <a:endParaRPr sz="2400"/>
           </a:p>
         </p:txBody>
       </p:sp>
@@ -3521,7 +3420,7 @@
               </a:spcAft>
               <a:buNone/>
             </a:pPr>
-            <a:endParaRPr sz="2400" dirty="0"/>
+            <a:endParaRPr sz="2400"/>
           </a:p>
         </p:txBody>
       </p:sp>
@@ -3609,7 +3508,7 @@
               </a:spcAft>
               <a:buNone/>
             </a:pPr>
-            <a:endParaRPr sz="2400" dirty="0"/>
+            <a:endParaRPr sz="2400"/>
           </a:p>
         </p:txBody>
       </p:sp>
@@ -3649,7 +3548,7 @@
               </a:spcAft>
               <a:buNone/>
             </a:pPr>
-            <a:endParaRPr sz="2400" dirty="0"/>
+            <a:endParaRPr sz="2400"/>
           </a:p>
         </p:txBody>
       </p:sp>
@@ -3689,7 +3588,7 @@
               </a:spcAft>
               <a:buNone/>
             </a:pPr>
-            <a:endParaRPr sz="2400" dirty="0"/>
+            <a:endParaRPr sz="2400"/>
           </a:p>
         </p:txBody>
       </p:sp>
@@ -3729,7 +3628,7 @@
               </a:spcAft>
               <a:buNone/>
             </a:pPr>
-            <a:endParaRPr sz="2400" dirty="0"/>
+            <a:endParaRPr sz="2400"/>
           </a:p>
         </p:txBody>
       </p:sp>
@@ -3769,7 +3668,7 @@
               </a:spcAft>
               <a:buNone/>
             </a:pPr>
-            <a:endParaRPr sz="2400" dirty="0"/>
+            <a:endParaRPr sz="2400"/>
           </a:p>
         </p:txBody>
       </p:sp>
@@ -3894,7 +3793,7 @@
               </a:spcAft>
               <a:buNone/>
             </a:pPr>
-            <a:endParaRPr sz="2400" dirty="0"/>
+            <a:endParaRPr sz="2400"/>
           </a:p>
         </p:txBody>
       </p:sp>
@@ -3991,7 +3890,7 @@
               </a:spcAft>
               <a:buNone/>
             </a:pPr>
-            <a:endParaRPr sz="2400" dirty="0"/>
+            <a:endParaRPr sz="2400"/>
           </a:p>
         </p:txBody>
       </p:sp>
@@ -4079,7 +3978,7 @@
               </a:spcAft>
               <a:buNone/>
             </a:pPr>
-            <a:endParaRPr sz="2400" dirty="0"/>
+            <a:endParaRPr sz="2400"/>
           </a:p>
         </p:txBody>
       </p:sp>
@@ -4119,7 +4018,7 @@
               </a:spcAft>
               <a:buNone/>
             </a:pPr>
-            <a:endParaRPr sz="2400" dirty="0"/>
+            <a:endParaRPr sz="2400"/>
           </a:p>
         </p:txBody>
       </p:sp>
@@ -4159,7 +4058,7 @@
               </a:spcAft>
               <a:buNone/>
             </a:pPr>
-            <a:endParaRPr sz="2400" dirty="0"/>
+            <a:endParaRPr sz="2400"/>
           </a:p>
         </p:txBody>
       </p:sp>
@@ -4199,7 +4098,7 @@
               </a:spcAft>
               <a:buNone/>
             </a:pPr>
-            <a:endParaRPr sz="2400" dirty="0"/>
+            <a:endParaRPr sz="2400"/>
           </a:p>
         </p:txBody>
       </p:sp>
@@ -4239,7 +4138,7 @@
               </a:spcAft>
               <a:buNone/>
             </a:pPr>
-            <a:endParaRPr sz="2400" dirty="0"/>
+            <a:endParaRPr sz="2400"/>
           </a:p>
         </p:txBody>
       </p:sp>
@@ -6591,7 +6490,7 @@
               </a:spcAft>
               <a:buNone/>
             </a:pPr>
-            <a:endParaRPr sz="2400" dirty="0"/>
+            <a:endParaRPr sz="2400"/>
           </a:p>
         </p:txBody>
       </p:sp>
@@ -6688,7 +6587,7 @@
               </a:spcAft>
               <a:buNone/>
             </a:pPr>
-            <a:endParaRPr sz="2400" dirty="0"/>
+            <a:endParaRPr sz="2400"/>
           </a:p>
         </p:txBody>
       </p:sp>
@@ -6776,7 +6675,7 @@
               </a:spcAft>
               <a:buNone/>
             </a:pPr>
-            <a:endParaRPr sz="2400" dirty="0"/>
+            <a:endParaRPr sz="2400"/>
           </a:p>
         </p:txBody>
       </p:sp>
@@ -6816,7 +6715,7 @@
               </a:spcAft>
               <a:buNone/>
             </a:pPr>
-            <a:endParaRPr sz="2400" dirty="0"/>
+            <a:endParaRPr sz="2400"/>
           </a:p>
         </p:txBody>
       </p:sp>
@@ -6856,7 +6755,7 @@
               </a:spcAft>
               <a:buNone/>
             </a:pPr>
-            <a:endParaRPr sz="2400" dirty="0"/>
+            <a:endParaRPr sz="2400"/>
           </a:p>
         </p:txBody>
       </p:sp>
@@ -6896,7 +6795,7 @@
               </a:spcAft>
               <a:buNone/>
             </a:pPr>
-            <a:endParaRPr sz="2400" dirty="0"/>
+            <a:endParaRPr sz="2400"/>
           </a:p>
         </p:txBody>
       </p:sp>
@@ -6936,7 +6835,7 @@
               </a:spcAft>
               <a:buNone/>
             </a:pPr>
-            <a:endParaRPr sz="2400" dirty="0"/>
+            <a:endParaRPr sz="2400"/>
           </a:p>
         </p:txBody>
       </p:sp>
@@ -7061,7 +6960,7 @@
               </a:spcAft>
               <a:buNone/>
             </a:pPr>
-            <a:endParaRPr sz="2400" dirty="0"/>
+            <a:endParaRPr sz="2400"/>
           </a:p>
         </p:txBody>
       </p:sp>
@@ -7158,7 +7057,7 @@
               </a:spcAft>
               <a:buNone/>
             </a:pPr>
-            <a:endParaRPr sz="2400" dirty="0"/>
+            <a:endParaRPr sz="2400"/>
           </a:p>
         </p:txBody>
       </p:sp>
@@ -7246,7 +7145,7 @@
               </a:spcAft>
               <a:buNone/>
             </a:pPr>
-            <a:endParaRPr sz="2400" dirty="0"/>
+            <a:endParaRPr sz="2400"/>
           </a:p>
         </p:txBody>
       </p:sp>
@@ -7286,7 +7185,7 @@
               </a:spcAft>
               <a:buNone/>
             </a:pPr>
-            <a:endParaRPr sz="2400" dirty="0"/>
+            <a:endParaRPr sz="2400"/>
           </a:p>
         </p:txBody>
       </p:sp>
@@ -7326,7 +7225,7 @@
               </a:spcAft>
               <a:buNone/>
             </a:pPr>
-            <a:endParaRPr sz="2400" dirty="0"/>
+            <a:endParaRPr sz="2400"/>
           </a:p>
         </p:txBody>
       </p:sp>
@@ -7366,7 +7265,7 @@
               </a:spcAft>
               <a:buNone/>
             </a:pPr>
-            <a:endParaRPr sz="2400" dirty="0"/>
+            <a:endParaRPr sz="2400"/>
           </a:p>
         </p:txBody>
       </p:sp>
@@ -7406,7 +7305,7 @@
               </a:spcAft>
               <a:buNone/>
             </a:pPr>
-            <a:endParaRPr sz="2400" dirty="0"/>
+            <a:endParaRPr sz="2400"/>
           </a:p>
         </p:txBody>
       </p:sp>
@@ -7823,7 +7722,7 @@
               </a:spcAft>
               <a:buNone/>
             </a:pPr>
-            <a:endParaRPr sz="2400" dirty="0"/>
+            <a:endParaRPr sz="2400"/>
           </a:p>
         </p:txBody>
       </p:sp>
@@ -7920,7 +7819,7 @@
               </a:spcAft>
               <a:buNone/>
             </a:pPr>
-            <a:endParaRPr sz="2400" dirty="0"/>
+            <a:endParaRPr sz="2400"/>
           </a:p>
         </p:txBody>
       </p:sp>
@@ -7960,7 +7859,7 @@
               </a:spcAft>
               <a:buNone/>
             </a:pPr>
-            <a:endParaRPr sz="2400" dirty="0"/>
+            <a:endParaRPr sz="2400"/>
           </a:p>
         </p:txBody>
       </p:sp>
@@ -8000,7 +7899,7 @@
               </a:spcAft>
               <a:buNone/>
             </a:pPr>
-            <a:endParaRPr sz="2400" dirty="0"/>
+            <a:endParaRPr sz="2400"/>
           </a:p>
         </p:txBody>
       </p:sp>
@@ -8135,7 +8034,7 @@
               </a:spcAft>
               <a:buNone/>
             </a:pPr>
-            <a:endParaRPr sz="2400" dirty="0"/>
+            <a:endParaRPr sz="2400"/>
           </a:p>
         </p:txBody>
       </p:sp>
@@ -8175,7 +8074,7 @@
               </a:spcAft>
               <a:buNone/>
             </a:pPr>
-            <a:endParaRPr sz="2400" dirty="0"/>
+            <a:endParaRPr sz="2400"/>
           </a:p>
         </p:txBody>
       </p:sp>
@@ -8215,7 +8114,7 @@
               </a:spcAft>
               <a:buNone/>
             </a:pPr>
-            <a:endParaRPr sz="2400" dirty="0"/>
+            <a:endParaRPr sz="2400"/>
           </a:p>
         </p:txBody>
       </p:sp>
@@ -8337,7 +8236,7 @@
               </a:spcAft>
               <a:buNone/>
             </a:pPr>
-            <a:endParaRPr sz="2400" dirty="0"/>
+            <a:endParaRPr sz="2400"/>
           </a:p>
         </p:txBody>
       </p:sp>
@@ -8434,7 +8333,7 @@
               </a:spcAft>
               <a:buNone/>
             </a:pPr>
-            <a:endParaRPr sz="2400" dirty="0"/>
+            <a:endParaRPr sz="2400"/>
           </a:p>
         </p:txBody>
       </p:sp>
@@ -8474,7 +8373,7 @@
               </a:spcAft>
               <a:buNone/>
             </a:pPr>
-            <a:endParaRPr sz="2400" dirty="0"/>
+            <a:endParaRPr sz="2400"/>
           </a:p>
         </p:txBody>
       </p:sp>
@@ -8514,7 +8413,7 @@
               </a:spcAft>
               <a:buNone/>
             </a:pPr>
-            <a:endParaRPr sz="2400" dirty="0"/>
+            <a:endParaRPr sz="2400"/>
           </a:p>
         </p:txBody>
       </p:sp>
@@ -8649,7 +8548,7 @@
               </a:spcAft>
               <a:buNone/>
             </a:pPr>
-            <a:endParaRPr sz="2400" dirty="0"/>
+            <a:endParaRPr sz="2400"/>
           </a:p>
         </p:txBody>
       </p:sp>
@@ -8689,7 +8588,7 @@
               </a:spcAft>
               <a:buNone/>
             </a:pPr>
-            <a:endParaRPr sz="2400" dirty="0"/>
+            <a:endParaRPr sz="2400"/>
           </a:p>
         </p:txBody>
       </p:sp>
@@ -8729,7 +8628,7 @@
               </a:spcAft>
               <a:buNone/>
             </a:pPr>
-            <a:endParaRPr sz="2400" dirty="0"/>
+            <a:endParaRPr sz="2400"/>
           </a:p>
         </p:txBody>
       </p:sp>
@@ -9013,7 +8912,7 @@
               </a:spcAft>
               <a:buNone/>
             </a:pPr>
-            <a:endParaRPr sz="2400" dirty="0"/>
+            <a:endParaRPr sz="2400"/>
           </a:p>
         </p:txBody>
       </p:sp>
@@ -9130,7 +9029,7 @@
               </a:spcAft>
               <a:buNone/>
             </a:pPr>
-            <a:endParaRPr sz="2400" dirty="0"/>
+            <a:endParaRPr sz="2400"/>
           </a:p>
         </p:txBody>
       </p:sp>
@@ -9232,7 +9131,7 @@
               </a:spcAft>
               <a:buNone/>
             </a:pPr>
-            <a:endParaRPr sz="2400" dirty="0"/>
+            <a:endParaRPr sz="2400"/>
           </a:p>
         </p:txBody>
       </p:sp>
@@ -9272,7 +9171,7 @@
               </a:spcAft>
               <a:buNone/>
             </a:pPr>
-            <a:endParaRPr sz="2400" dirty="0"/>
+            <a:endParaRPr sz="2400"/>
           </a:p>
         </p:txBody>
       </p:sp>
@@ -9312,7 +9211,7 @@
               </a:spcAft>
               <a:buNone/>
             </a:pPr>
-            <a:endParaRPr sz="2400" dirty="0"/>
+            <a:endParaRPr sz="2400"/>
           </a:p>
         </p:txBody>
       </p:sp>
@@ -9352,7 +9251,7 @@
               </a:spcAft>
               <a:buNone/>
             </a:pPr>
-            <a:endParaRPr sz="2400" dirty="0"/>
+            <a:endParaRPr sz="2400"/>
           </a:p>
         </p:txBody>
       </p:sp>
@@ -9392,7 +9291,7 @@
               </a:spcAft>
               <a:buNone/>
             </a:pPr>
-            <a:endParaRPr sz="2400" dirty="0"/>
+            <a:endParaRPr sz="2400"/>
           </a:p>
         </p:txBody>
       </p:sp>
@@ -9517,7 +9416,7 @@
               </a:spcAft>
               <a:buNone/>
             </a:pPr>
-            <a:endParaRPr sz="2400" dirty="0"/>
+            <a:endParaRPr sz="2400"/>
           </a:p>
         </p:txBody>
       </p:sp>
@@ -9634,7 +9533,7 @@
               </a:spcAft>
               <a:buNone/>
             </a:pPr>
-            <a:endParaRPr sz="2400" dirty="0"/>
+            <a:endParaRPr sz="2400"/>
           </a:p>
         </p:txBody>
       </p:sp>
@@ -9736,7 +9635,7 @@
               </a:spcAft>
               <a:buNone/>
             </a:pPr>
-            <a:endParaRPr sz="2400" dirty="0"/>
+            <a:endParaRPr sz="2400"/>
           </a:p>
         </p:txBody>
       </p:sp>
@@ -9776,7 +9675,7 @@
               </a:spcAft>
               <a:buNone/>
             </a:pPr>
-            <a:endParaRPr sz="2400" dirty="0"/>
+            <a:endParaRPr sz="2400"/>
           </a:p>
         </p:txBody>
       </p:sp>
@@ -9816,7 +9715,7 @@
               </a:spcAft>
               <a:buNone/>
             </a:pPr>
-            <a:endParaRPr sz="2400" dirty="0"/>
+            <a:endParaRPr sz="2400"/>
           </a:p>
         </p:txBody>
       </p:sp>
@@ -9856,7 +9755,7 @@
               </a:spcAft>
               <a:buNone/>
             </a:pPr>
-            <a:endParaRPr sz="2400" dirty="0"/>
+            <a:endParaRPr sz="2400"/>
           </a:p>
         </p:txBody>
       </p:sp>
@@ -9896,7 +9795,7 @@
               </a:spcAft>
               <a:buNone/>
             </a:pPr>
-            <a:endParaRPr sz="2400" dirty="0"/>
+            <a:endParaRPr sz="2400"/>
           </a:p>
         </p:txBody>
       </p:sp>
@@ -9936,7 +9835,7 @@
               </a:spcAft>
               <a:buNone/>
             </a:pPr>
-            <a:endParaRPr sz="2400" dirty="0"/>
+            <a:endParaRPr sz="2400"/>
           </a:p>
         </p:txBody>
       </p:sp>
@@ -9976,7 +9875,7 @@
               </a:spcAft>
               <a:buNone/>
             </a:pPr>
-            <a:endParaRPr sz="2400" dirty="0"/>
+            <a:endParaRPr sz="2400"/>
           </a:p>
         </p:txBody>
       </p:sp>
@@ -10120,9 +10019,9 @@
           <a:p>
             <a:fld id="{96A54FD2-9807-47AE-B332-82BE46C02019}" type="datetimeFigureOut">
               <a:rPr lang="bg-BG" smtClean="0"/>
-              <a:t>4.7.2023 г.</a:t>
+              <a:t>5.7.2023 г.</a:t>
             </a:fld>
-            <a:endParaRPr lang="bg-BG" dirty="0"/>
+            <a:endParaRPr lang="bg-BG"/>
           </a:p>
         </p:txBody>
       </p:sp>
@@ -10147,7 +10046,7 @@
           <a:bodyPr/>
           <a:lstStyle/>
           <a:p>
-            <a:endParaRPr lang="bg-BG" dirty="0"/>
+            <a:endParaRPr lang="bg-BG"/>
           </a:p>
         </p:txBody>
       </p:sp>
@@ -10176,7 +10075,7 @@
               <a:rPr lang="bg-BG" smtClean="0"/>
               <a:t>‹#›</a:t>
             </a:fld>
-            <a:endParaRPr lang="bg-BG" dirty="0"/>
+            <a:endParaRPr lang="bg-BG"/>
           </a:p>
         </p:txBody>
       </p:sp>
@@ -10396,9 +10295,9 @@
           <a:p>
             <a:fld id="{96A54FD2-9807-47AE-B332-82BE46C02019}" type="datetimeFigureOut">
               <a:rPr lang="bg-BG" smtClean="0"/>
-              <a:t>4.7.2023 г.</a:t>
+              <a:t>5.7.2023 г.</a:t>
             </a:fld>
-            <a:endParaRPr lang="bg-BG" dirty="0"/>
+            <a:endParaRPr lang="bg-BG"/>
           </a:p>
         </p:txBody>
       </p:sp>
@@ -10423,7 +10322,7 @@
           <a:bodyPr/>
           <a:lstStyle/>
           <a:p>
-            <a:endParaRPr lang="bg-BG" dirty="0"/>
+            <a:endParaRPr lang="bg-BG"/>
           </a:p>
         </p:txBody>
       </p:sp>
@@ -10452,7 +10351,7 @@
               <a:rPr lang="bg-BG" smtClean="0"/>
               <a:t>‹#›</a:t>
             </a:fld>
-            <a:endParaRPr lang="bg-BG" dirty="0"/>
+            <a:endParaRPr lang="bg-BG"/>
           </a:p>
         </p:txBody>
       </p:sp>
@@ -10664,9 +10563,9 @@
           <a:p>
             <a:fld id="{96A54FD2-9807-47AE-B332-82BE46C02019}" type="datetimeFigureOut">
               <a:rPr lang="bg-BG" smtClean="0"/>
-              <a:t>4.7.2023 г.</a:t>
+              <a:t>5.7.2023 г.</a:t>
             </a:fld>
-            <a:endParaRPr lang="bg-BG" dirty="0"/>
+            <a:endParaRPr lang="bg-BG"/>
           </a:p>
         </p:txBody>
       </p:sp>
@@ -10691,7 +10590,7 @@
           <a:bodyPr/>
           <a:lstStyle/>
           <a:p>
-            <a:endParaRPr lang="bg-BG" dirty="0"/>
+            <a:endParaRPr lang="bg-BG"/>
           </a:p>
         </p:txBody>
       </p:sp>
@@ -10720,7 +10619,7 @@
               <a:rPr lang="bg-BG" smtClean="0"/>
               <a:t>‹#›</a:t>
             </a:fld>
-            <a:endParaRPr lang="bg-BG" dirty="0"/>
+            <a:endParaRPr lang="bg-BG"/>
           </a:p>
         </p:txBody>
       </p:sp>
@@ -11079,9 +10978,9 @@
           <a:p>
             <a:fld id="{96A54FD2-9807-47AE-B332-82BE46C02019}" type="datetimeFigureOut">
               <a:rPr lang="bg-BG" smtClean="0"/>
-              <a:t>4.7.2023 г.</a:t>
+              <a:t>5.7.2023 г.</a:t>
             </a:fld>
-            <a:endParaRPr lang="bg-BG" dirty="0"/>
+            <a:endParaRPr lang="bg-BG"/>
           </a:p>
         </p:txBody>
       </p:sp>
@@ -11106,7 +11005,7 @@
           <a:bodyPr/>
           <a:lstStyle/>
           <a:p>
-            <a:endParaRPr lang="bg-BG" dirty="0"/>
+            <a:endParaRPr lang="bg-BG"/>
           </a:p>
         </p:txBody>
       </p:sp>
@@ -11135,7 +11034,7 @@
               <a:rPr lang="bg-BG" smtClean="0"/>
               <a:t>‹#›</a:t>
             </a:fld>
-            <a:endParaRPr lang="bg-BG" dirty="0"/>
+            <a:endParaRPr lang="bg-BG"/>
           </a:p>
         </p:txBody>
       </p:sp>
@@ -11221,9 +11120,9 @@
           <a:p>
             <a:fld id="{96A54FD2-9807-47AE-B332-82BE46C02019}" type="datetimeFigureOut">
               <a:rPr lang="bg-BG" smtClean="0"/>
-              <a:t>4.7.2023 г.</a:t>
+              <a:t>5.7.2023 г.</a:t>
             </a:fld>
-            <a:endParaRPr lang="bg-BG" dirty="0"/>
+            <a:endParaRPr lang="bg-BG"/>
           </a:p>
         </p:txBody>
       </p:sp>
@@ -11248,7 +11147,7 @@
           <a:bodyPr/>
           <a:lstStyle/>
           <a:p>
-            <a:endParaRPr lang="bg-BG" dirty="0"/>
+            <a:endParaRPr lang="bg-BG"/>
           </a:p>
         </p:txBody>
       </p:sp>
@@ -11277,7 +11176,7 @@
               <a:rPr lang="bg-BG" smtClean="0"/>
               <a:t>‹#›</a:t>
             </a:fld>
-            <a:endParaRPr lang="bg-BG" dirty="0"/>
+            <a:endParaRPr lang="bg-BG"/>
           </a:p>
         </p:txBody>
       </p:sp>
@@ -11334,9 +11233,9 @@
           <a:p>
             <a:fld id="{96A54FD2-9807-47AE-B332-82BE46C02019}" type="datetimeFigureOut">
               <a:rPr lang="bg-BG" smtClean="0"/>
-              <a:t>4.7.2023 г.</a:t>
+              <a:t>5.7.2023 г.</a:t>
             </a:fld>
-            <a:endParaRPr lang="bg-BG" dirty="0"/>
+            <a:endParaRPr lang="bg-BG"/>
           </a:p>
         </p:txBody>
       </p:sp>
@@ -11361,7 +11260,7 @@
           <a:bodyPr/>
           <a:lstStyle/>
           <a:p>
-            <a:endParaRPr lang="bg-BG" dirty="0"/>
+            <a:endParaRPr lang="bg-BG"/>
           </a:p>
         </p:txBody>
       </p:sp>
@@ -11390,7 +11289,7 @@
               <a:rPr lang="bg-BG" smtClean="0"/>
               <a:t>‹#›</a:t>
             </a:fld>
-            <a:endParaRPr lang="bg-BG" dirty="0"/>
+            <a:endParaRPr lang="bg-BG"/>
           </a:p>
         </p:txBody>
       </p:sp>
@@ -11647,9 +11546,9 @@
           <a:p>
             <a:fld id="{96A54FD2-9807-47AE-B332-82BE46C02019}" type="datetimeFigureOut">
               <a:rPr lang="bg-BG" smtClean="0"/>
-              <a:t>4.7.2023 г.</a:t>
+              <a:t>5.7.2023 г.</a:t>
             </a:fld>
-            <a:endParaRPr lang="bg-BG" dirty="0"/>
+            <a:endParaRPr lang="bg-BG"/>
           </a:p>
         </p:txBody>
       </p:sp>
@@ -11674,7 +11573,7 @@
           <a:bodyPr/>
           <a:lstStyle/>
           <a:p>
-            <a:endParaRPr lang="bg-BG" dirty="0"/>
+            <a:endParaRPr lang="bg-BG"/>
           </a:p>
         </p:txBody>
       </p:sp>
@@ -11703,7 +11602,7 @@
               <a:rPr lang="bg-BG" smtClean="0"/>
               <a:t>‹#›</a:t>
             </a:fld>
-            <a:endParaRPr lang="bg-BG" dirty="0"/>
+            <a:endParaRPr lang="bg-BG"/>
           </a:p>
         </p:txBody>
       </p:sp>
@@ -11838,7 +11737,7 @@
             </a:lvl9pPr>
           </a:lstStyle>
           <a:p>
-            <a:endParaRPr lang="bg-BG" dirty="0"/>
+            <a:endParaRPr lang="bg-BG"/>
           </a:p>
         </p:txBody>
       </p:sp>
@@ -11936,9 +11835,9 @@
           <a:p>
             <a:fld id="{96A54FD2-9807-47AE-B332-82BE46C02019}" type="datetimeFigureOut">
               <a:rPr lang="bg-BG" smtClean="0"/>
-              <a:t>4.7.2023 г.</a:t>
+              <a:t>5.7.2023 г.</a:t>
             </a:fld>
-            <a:endParaRPr lang="bg-BG" dirty="0"/>
+            <a:endParaRPr lang="bg-BG"/>
           </a:p>
         </p:txBody>
       </p:sp>
@@ -11963,7 +11862,7 @@
           <a:bodyPr/>
           <a:lstStyle/>
           <a:p>
-            <a:endParaRPr lang="bg-BG" dirty="0"/>
+            <a:endParaRPr lang="bg-BG"/>
           </a:p>
         </p:txBody>
       </p:sp>
@@ -11992,7 +11891,7 @@
               <a:rPr lang="bg-BG" smtClean="0"/>
               <a:t>‹#›</a:t>
             </a:fld>
-            <a:endParaRPr lang="bg-BG" dirty="0"/>
+            <a:endParaRPr lang="bg-BG"/>
           </a:p>
         </p:txBody>
       </p:sp>
@@ -12179,9 +12078,9 @@
           <a:p>
             <a:fld id="{96A54FD2-9807-47AE-B332-82BE46C02019}" type="datetimeFigureOut">
               <a:rPr lang="bg-BG" smtClean="0"/>
-              <a:t>4.7.2023 г.</a:t>
+              <a:t>5.7.2023 г.</a:t>
             </a:fld>
-            <a:endParaRPr lang="bg-BG" dirty="0"/>
+            <a:endParaRPr lang="bg-BG"/>
           </a:p>
         </p:txBody>
       </p:sp>
@@ -12224,7 +12123,7 @@
             </a:lvl1pPr>
           </a:lstStyle>
           <a:p>
-            <a:endParaRPr lang="bg-BG" dirty="0"/>
+            <a:endParaRPr lang="bg-BG"/>
           </a:p>
         </p:txBody>
       </p:sp>
@@ -12271,7 +12170,7 @@
               <a:rPr lang="bg-BG" smtClean="0"/>
               <a:t>‹#›</a:t>
             </a:fld>
-            <a:endParaRPr lang="bg-BG" dirty="0"/>
+            <a:endParaRPr lang="bg-BG"/>
           </a:p>
         </p:txBody>
       </p:sp>
@@ -12613,8 +12512,8 @@
         </p:nvSpPr>
         <p:spPr>
           <a:xfrm>
-            <a:off x="371856" y="2496311"/>
-            <a:ext cx="11698224" cy="3303355"/>
+            <a:off x="371856" y="2176272"/>
+            <a:ext cx="11698224" cy="1463040"/>
           </a:xfrm>
           <a:prstGeom prst="rect">
             <a:avLst/>
@@ -12626,25 +12525,12 @@
           </a:bodyPr>
           <a:lstStyle/>
           <a:p>
+            <a:pPr algn="ctr"/>
             <a:r>
-              <a:rPr lang="en-GB" b="1" dirty="0" smtClean="0"/>
-              <a:t>Car </a:t>
+              <a:rPr lang="en-GB" sz="10000" b="1" dirty="0"/>
+              <a:t>Car Rental System</a:t>
             </a:r>
-            <a:r>
-              <a:rPr lang="en-GB" b="1" dirty="0"/>
-              <a:t>Rental System</a:t>
-            </a:r>
-            <a:br>
-              <a:rPr lang="en-GB" b="1" dirty="0"/>
-            </a:br>
-            <a:endParaRPr sz="10000" b="1" dirty="0">
-              <a:solidFill>
-                <a:schemeClr val="tx2">
-                  <a:lumMod val="75000"/>
-                </a:schemeClr>
-              </a:solidFill>
-              <a:latin typeface="Josefin Sans" pitchFamily="2" charset="0"/>
-            </a:endParaRPr>
+            <a:endParaRPr lang="en-US" dirty="0"/>
           </a:p>
         </p:txBody>
       </p:sp>
@@ -12685,7 +12571,7 @@
         </p:nvSpPr>
         <p:spPr>
           <a:xfrm>
-            <a:off x="553746" y="107394"/>
+            <a:off x="720000" y="704248"/>
             <a:ext cx="10752000" cy="1188400"/>
           </a:xfrm>
           <a:prstGeom prst="rect">
@@ -12700,7 +12586,7 @@
           <a:p>
             <a:pPr algn="ctr"/>
             <a:r>
-              <a:rPr lang="en" sz="5200" b="1" smtClean="0">
+              <a:rPr lang="en" sz="5200" b="1" dirty="0">
                 <a:solidFill>
                   <a:schemeClr val="tx2">
                     <a:lumMod val="75000"/>
@@ -12708,7 +12594,7 @@
                 </a:solidFill>
                 <a:latin typeface="Josefin Sans" pitchFamily="2" charset="0"/>
               </a:rPr>
-              <a:t>Meet the team.</a:t>
+              <a:t>The Team</a:t>
             </a:r>
             <a:endParaRPr sz="5200" b="1" dirty="0">
               <a:solidFill>
@@ -12721,12 +12607,67 @@
           </a:p>
         </p:txBody>
       </p:sp>
+      <p:sp>
+        <p:nvSpPr>
+          <p:cNvPr id="465" name="Google Shape;465;p29"/>
+          <p:cNvSpPr txBox="1">
+            <a:spLocks noGrp="1"/>
+          </p:cNvSpPr>
+          <p:nvPr>
+            <p:ph type="body" idx="1"/>
+          </p:nvPr>
+        </p:nvSpPr>
+        <p:spPr>
+          <a:xfrm>
+            <a:off x="1879428" y="2313432"/>
+            <a:ext cx="8433144" cy="481043"/>
+          </a:xfrm>
+          <a:prstGeom prst="rect">
+            <a:avLst/>
+          </a:prstGeom>
+        </p:spPr>
+        <p:txBody>
+          <a:bodyPr spcFirstLastPara="1" vert="horz" wrap="square" lIns="121900" tIns="121900" rIns="121900" bIns="121900" rtlCol="0" anchor="ctr" anchorCtr="0">
+            <a:noAutofit/>
+          </a:bodyPr>
+          <a:lstStyle/>
+          <a:p>
+            <a:pPr marL="0" indent="0" algn="ctr">
+              <a:spcAft>
+                <a:spcPts val="2133"/>
+              </a:spcAft>
+              <a:buNone/>
+            </a:pPr>
+            <a:r>
+              <a:rPr lang="en" sz="3850" b="1" i="1" dirty="0">
+                <a:solidFill>
+                  <a:schemeClr val="tx2">
+                    <a:lumMod val="75000"/>
+                  </a:schemeClr>
+                </a:solidFill>
+                <a:ea typeface="+mn-lt"/>
+                <a:cs typeface="+mn-lt"/>
+              </a:rPr>
+              <a:t>Kliment Tenev</a:t>
+            </a:r>
+            <a:endParaRPr lang="en" sz="3850" b="1" i="1" dirty="0">
+              <a:solidFill>
+                <a:schemeClr val="tx2">
+                  <a:lumMod val="75000"/>
+                </a:schemeClr>
+              </a:solidFill>
+              <a:ea typeface="Calibri"/>
+              <a:cs typeface="Calibri"/>
+            </a:endParaRPr>
+          </a:p>
+        </p:txBody>
+      </p:sp>
       <p:pic>
         <p:nvPicPr>
-          <p:cNvPr id="2050" name="Picture 2">
+          <p:cNvPr id="4" name="Picture 2">
             <a:extLst>
               <a:ext uri="{FF2B5EF4-FFF2-40B4-BE49-F238E27FC236}">
-                <a16:creationId xmlns:a16="http://schemas.microsoft.com/office/drawing/2014/main" id="{933645BF-5EAC-B04E-143D-C1FD289048D0}"/>
+                <a16:creationId xmlns:a16="http://schemas.microsoft.com/office/drawing/2014/main" id="{ED288850-6B2C-4779-8D74-65CD2C0934EF}"/>
               </a:ext>
             </a:extLst>
           </p:cNvPr>
@@ -12750,8 +12691,8 @@
         </p:blipFill>
         <p:spPr bwMode="auto">
           <a:xfrm>
-            <a:off x="3178468" y="1312418"/>
-            <a:ext cx="5317558" cy="5317558"/>
+            <a:off x="5084103" y="3429000"/>
+            <a:ext cx="2023793" cy="2023793"/>
           </a:xfrm>
           <a:prstGeom prst="rect">
             <a:avLst/>
@@ -12783,58 +12724,6 @@
           </a:extLst>
         </p:spPr>
       </p:pic>
-      <p:sp>
-        <p:nvSpPr>
-          <p:cNvPr id="21" name="TextBox 20">
-            <a:extLst>
-              <a:ext uri="{FF2B5EF4-FFF2-40B4-BE49-F238E27FC236}">
-                <a16:creationId xmlns:a16="http://schemas.microsoft.com/office/drawing/2014/main" id="{F5F11152-C1C3-B833-001F-897A4274F14C}"/>
-              </a:ext>
-            </a:extLst>
-          </p:cNvPr>
-          <p:cNvSpPr txBox="1"/>
-          <p:nvPr/>
-        </p:nvSpPr>
-        <p:spPr>
-          <a:xfrm>
-            <a:off x="3441470" y="5178828"/>
-            <a:ext cx="4791555" cy="523220"/>
-          </a:xfrm>
-          <a:prstGeom prst="rect">
-            <a:avLst/>
-          </a:prstGeom>
-          <a:noFill/>
-        </p:spPr>
-        <p:txBody>
-          <a:bodyPr wrap="square">
-            <a:spAutoFit/>
-          </a:bodyPr>
-          <a:lstStyle/>
-          <a:p>
-            <a:pPr algn="ctr"/>
-            <a:r>
-              <a:rPr lang="en-US" sz="1400" b="1" dirty="0">
-                <a:latin typeface="Josefin Sans" pitchFamily="2" charset="0"/>
-              </a:rPr>
-              <a:t>Kliment Tenev</a:t>
-            </a:r>
-            <a:br>
-              <a:rPr lang="en-US" sz="1400" b="1" dirty="0">
-                <a:latin typeface="Josefin Sans" pitchFamily="2" charset="0"/>
-              </a:rPr>
-            </a:br>
-            <a:r>
-              <a:rPr lang="en-US" sz="1400" b="1" dirty="0" smtClean="0">
-                <a:latin typeface="Josefin Sans" pitchFamily="2" charset="0"/>
-              </a:rPr>
-              <a:t>Back-end</a:t>
-            </a:r>
-            <a:endParaRPr lang="de-DE" sz="1400" b="1" dirty="0">
-              <a:latin typeface="Josefin Sans" pitchFamily="2" charset="0"/>
-            </a:endParaRPr>
-          </a:p>
-        </p:txBody>
-      </p:sp>
     </p:spTree>
   </p:cSld>
   <p:clrMapOvr>
@@ -12851,6 +12740,198 @@
   <p:cSld>
     <p:spTree>
       <p:nvGrpSpPr>
+        <p:cNvPr id="1" name="Shape 493"/>
+        <p:cNvGrpSpPr/>
+        <p:nvPr/>
+      </p:nvGrpSpPr>
+      <p:grpSpPr>
+        <a:xfrm>
+          <a:off x="0" y="0"/>
+          <a:ext cx="0" cy="0"/>
+          <a:chOff x="0" y="0"/>
+          <a:chExt cx="0" cy="0"/>
+        </a:xfrm>
+      </p:grpSpPr>
+      <p:sp>
+        <p:nvSpPr>
+          <p:cNvPr id="494" name="Google Shape;494;p32"/>
+          <p:cNvSpPr txBox="1">
+            <a:spLocks noGrp="1"/>
+          </p:cNvSpPr>
+          <p:nvPr>
+            <p:ph type="title"/>
+          </p:nvPr>
+        </p:nvSpPr>
+        <p:spPr>
+          <a:xfrm>
+            <a:off x="2189763" y="155293"/>
+            <a:ext cx="9143339" cy="1878031"/>
+          </a:xfrm>
+          <a:prstGeom prst="rect">
+            <a:avLst/>
+          </a:prstGeom>
+        </p:spPr>
+        <p:txBody>
+          <a:bodyPr spcFirstLastPara="1" vert="horz" wrap="square" lIns="121900" tIns="121900" rIns="121900" bIns="121900" rtlCol="0" anchor="ctr" anchorCtr="0">
+            <a:noAutofit/>
+          </a:bodyPr>
+          <a:lstStyle/>
+          <a:p>
+            <a:pPr algn="ctr"/>
+            <a:r>
+              <a:rPr lang="en" sz="4667" b="1" dirty="0">
+                <a:solidFill>
+                  <a:schemeClr val="tx2">
+                    <a:lumMod val="75000"/>
+                  </a:schemeClr>
+                </a:solidFill>
+                <a:latin typeface="Josefin Sans" pitchFamily="2" charset="0"/>
+              </a:rPr>
+              <a:t>Apps, Tools and Programming Languages We’ve Used</a:t>
+            </a:r>
+            <a:endParaRPr sz="4667" b="1" dirty="0">
+              <a:solidFill>
+                <a:schemeClr val="tx2">
+                  <a:lumMod val="75000"/>
+                </a:schemeClr>
+              </a:solidFill>
+              <a:latin typeface="Josefin Sans" pitchFamily="2" charset="0"/>
+            </a:endParaRPr>
+          </a:p>
+        </p:txBody>
+      </p:sp>
+      <p:pic>
+        <p:nvPicPr>
+          <p:cNvPr id="497" name="Google Shape;497;p32"/>
+          <p:cNvPicPr preferRelativeResize="0"/>
+          <p:nvPr/>
+        </p:nvPicPr>
+        <p:blipFill>
+          <a:blip r:embed="rId3">
+            <a:alphaModFix/>
+          </a:blip>
+          <a:stretch>
+            <a:fillRect/>
+          </a:stretch>
+        </p:blipFill>
+        <p:spPr>
+          <a:xfrm>
+            <a:off x="2798320" y="2193570"/>
+            <a:ext cx="1726055" cy="1638021"/>
+          </a:xfrm>
+          <a:prstGeom prst="rect">
+            <a:avLst/>
+          </a:prstGeom>
+          <a:noFill/>
+          <a:ln>
+            <a:noFill/>
+          </a:ln>
+        </p:spPr>
+      </p:pic>
+      <p:pic>
+        <p:nvPicPr>
+          <p:cNvPr id="499" name="Google Shape;499;p32"/>
+          <p:cNvPicPr preferRelativeResize="0"/>
+          <p:nvPr/>
+        </p:nvPicPr>
+        <p:blipFill>
+          <a:blip r:embed="rId4">
+            <a:alphaModFix/>
+          </a:blip>
+          <a:stretch>
+            <a:fillRect/>
+          </a:stretch>
+        </p:blipFill>
+        <p:spPr>
+          <a:xfrm>
+            <a:off x="2685547" y="4195410"/>
+            <a:ext cx="1951600" cy="2029100"/>
+          </a:xfrm>
+          <a:prstGeom prst="rect">
+            <a:avLst/>
+          </a:prstGeom>
+          <a:noFill/>
+          <a:ln>
+            <a:noFill/>
+          </a:ln>
+        </p:spPr>
+      </p:pic>
+      <p:pic>
+        <p:nvPicPr>
+          <p:cNvPr id="2" name="Picture 2" descr="A picture containing text, sign, vector graphics, clipart&#10;&#10;Description automatically generated">
+            <a:extLst>
+              <a:ext uri="{FF2B5EF4-FFF2-40B4-BE49-F238E27FC236}">
+                <a16:creationId xmlns:a16="http://schemas.microsoft.com/office/drawing/2014/main" id="{7F5072E4-85B7-B6A9-0E4C-F0E0105EE9FE}"/>
+              </a:ext>
+            </a:extLst>
+          </p:cNvPr>
+          <p:cNvPicPr>
+            <a:picLocks noChangeAspect="1"/>
+          </p:cNvPicPr>
+          <p:nvPr/>
+        </p:nvPicPr>
+        <p:blipFill>
+          <a:blip r:embed="rId5"/>
+          <a:stretch>
+            <a:fillRect/>
+          </a:stretch>
+        </p:blipFill>
+        <p:spPr>
+          <a:xfrm>
+            <a:off x="7221483" y="2081475"/>
+            <a:ext cx="1819344" cy="1878032"/>
+          </a:xfrm>
+          <a:prstGeom prst="rect">
+            <a:avLst/>
+          </a:prstGeom>
+        </p:spPr>
+      </p:pic>
+      <p:pic>
+        <p:nvPicPr>
+          <p:cNvPr id="3" name="Picture 3" descr="Icon&#10;&#10;Description automatically generated">
+            <a:extLst>
+              <a:ext uri="{FF2B5EF4-FFF2-40B4-BE49-F238E27FC236}">
+                <a16:creationId xmlns:a16="http://schemas.microsoft.com/office/drawing/2014/main" id="{28DEAF77-C1C0-A289-826C-B69909A1CC91}"/>
+              </a:ext>
+            </a:extLst>
+          </p:cNvPr>
+          <p:cNvPicPr>
+            <a:picLocks noChangeAspect="1"/>
+          </p:cNvPicPr>
+          <p:nvPr/>
+        </p:nvPicPr>
+        <p:blipFill>
+          <a:blip r:embed="rId6"/>
+          <a:stretch>
+            <a:fillRect/>
+          </a:stretch>
+        </p:blipFill>
+        <p:spPr>
+          <a:xfrm>
+            <a:off x="6447179" y="3831591"/>
+            <a:ext cx="2743200" cy="2743200"/>
+          </a:xfrm>
+          <a:prstGeom prst="rect">
+            <a:avLst/>
+          </a:prstGeom>
+        </p:spPr>
+      </p:pic>
+    </p:spTree>
+  </p:cSld>
+  <p:clrMapOvr>
+    <a:masterClrMapping/>
+  </p:clrMapOvr>
+  <p:transition spd="med">
+    <p:pull/>
+  </p:transition>
+</p:sld>
+</file>
+
+<file path=ppt/slides/slide4.xml><?xml version="1.0" encoding="utf-8"?>
+<p:sld xmlns:a="http://schemas.openxmlformats.org/drawingml/2006/main" xmlns:r="http://schemas.openxmlformats.org/officeDocument/2006/relationships" xmlns:p="http://schemas.openxmlformats.org/presentationml/2006/main">
+  <p:cSld>
+    <p:spTree>
+      <p:nvGrpSpPr>
         <p:cNvPr id="1" name="Shape 469"/>
         <p:cNvGrpSpPr/>
         <p:nvPr/>
@@ -12875,7 +12956,7 @@
         </p:nvSpPr>
         <p:spPr>
           <a:xfrm>
-            <a:off x="249015" y="2880799"/>
+            <a:off x="307468" y="2880800"/>
             <a:ext cx="7505097" cy="1096400"/>
           </a:xfrm>
           <a:prstGeom prst="rect">
@@ -12912,10 +12993,10 @@
       </p:sp>
       <p:pic>
         <p:nvPicPr>
-          <p:cNvPr id="1028" name="Picture 4">
+          <p:cNvPr id="1026" name="Picture 2" descr="Planet Earth Icon clipart transparent - Clipart World">
             <a:extLst>
               <a:ext uri="{FF2B5EF4-FFF2-40B4-BE49-F238E27FC236}">
-                <a16:creationId xmlns:a16="http://schemas.microsoft.com/office/drawing/2014/main" id="{4E87FDF1-DA33-F060-847B-C1CD295401FF}"/>
+                <a16:creationId xmlns:a16="http://schemas.microsoft.com/office/drawing/2014/main" id="{3C05A3EE-C6FB-4829-B69B-D13B941704D4}"/>
               </a:ext>
             </a:extLst>
           </p:cNvPr>
@@ -12938,14 +13019,23 @@
           </a:stretch>
         </p:blipFill>
         <p:spPr bwMode="auto">
-          <a:xfrm rot="2710405">
-            <a:off x="8112433" y="360939"/>
-            <a:ext cx="6136120" cy="6136120"/>
+          <a:xfrm>
+            <a:off x="7972367" y="-100861"/>
+            <a:ext cx="6005022" cy="7206026"/>
           </a:xfrm>
           <a:prstGeom prst="rect">
             <a:avLst/>
           </a:prstGeom>
-          <a:noFill/>
+          <a:ln>
+            <a:noFill/>
+          </a:ln>
+          <a:effectLst>
+            <a:outerShdw blurRad="190500" algn="tl" rotWithShape="0">
+              <a:srgbClr val="000000">
+                <a:alpha val="70000"/>
+              </a:srgbClr>
+            </a:outerShdw>
+          </a:effectLst>
           <a:extLst>
             <a:ext uri="{909E8E84-426E-40DD-AFC4-6F175D3DCCD1}">
               <a14:hiddenFill xmlns:a14="http://schemas.microsoft.com/office/drawing/2010/main">
@@ -12968,7 +13058,7 @@
 </p:sld>
 </file>
 
-<file path=ppt/slides/slide4.xml><?xml version="1.0" encoding="utf-8"?>
+<file path=ppt/slides/slide5.xml><?xml version="1.0" encoding="utf-8"?>
 <p:sld xmlns:a="http://schemas.openxmlformats.org/drawingml/2006/main" xmlns:r="http://schemas.openxmlformats.org/officeDocument/2006/relationships" xmlns:p="http://schemas.openxmlformats.org/presentationml/2006/main">
   <p:cSld>
     <p:spTree>
@@ -12997,7 +13087,7 @@
         </p:nvSpPr>
         <p:spPr>
           <a:xfrm>
-            <a:off x="3212955" y="880472"/>
+            <a:off x="3225600" y="442833"/>
             <a:ext cx="5740800" cy="763600"/>
           </a:xfrm>
           <a:prstGeom prst="rect">
@@ -13044,10 +13134,6 @@
           </p:nvPr>
         </p:nvSpPr>
         <p:spPr>
-          <a:xfrm>
-            <a:off x="5831845" y="2951321"/>
-            <a:ext cx="5106800" cy="476000"/>
-          </a:xfrm>
           <a:prstGeom prst="rect">
             <a:avLst/>
           </a:prstGeom>
@@ -13060,21 +13146,69 @@
           <a:p>
             <a:pPr marL="0" indent="0"/>
             <a:r>
-              <a:rPr lang="en" sz="2700" dirty="0">
+              <a:rPr lang="en-US" sz="2900" dirty="0">
                 <a:solidFill>
                   <a:schemeClr val="tx2">
                     <a:lumMod val="75000"/>
                   </a:schemeClr>
                 </a:solidFill>
               </a:rPr>
-              <a:t>Realizing The Idea</a:t>
+              <a:t>Coming up with the idea</a:t>
             </a:r>
-            <a:endParaRPr sz="2700" dirty="0">
+            <a:endParaRPr lang="en-US" dirty="0">
               <a:solidFill>
                 <a:schemeClr val="tx2">
                   <a:lumMod val="75000"/>
                 </a:schemeClr>
               </a:solidFill>
+            </a:endParaRPr>
+          </a:p>
+        </p:txBody>
+      </p:sp>
+      <p:sp>
+        <p:nvSpPr>
+          <p:cNvPr id="480" name="Google Shape;480;p31"/>
+          <p:cNvSpPr txBox="1">
+            <a:spLocks noGrp="1"/>
+          </p:cNvSpPr>
+          <p:nvPr>
+            <p:ph type="subTitle" idx="2"/>
+          </p:nvPr>
+        </p:nvSpPr>
+        <p:spPr>
+          <a:xfrm>
+            <a:off x="6385700" y="2917467"/>
+            <a:ext cx="3994800" cy="978800"/>
+          </a:xfrm>
+          <a:prstGeom prst="rect">
+            <a:avLst/>
+          </a:prstGeom>
+        </p:spPr>
+        <p:txBody>
+          <a:bodyPr spcFirstLastPara="1" vert="horz" wrap="square" lIns="121900" tIns="121900" rIns="121900" bIns="121900" rtlCol="0" anchor="t" anchorCtr="0">
+            <a:noAutofit/>
+          </a:bodyPr>
+          <a:lstStyle/>
+          <a:p>
+            <a:pPr marL="0" indent="0"/>
+            <a:r>
+              <a:rPr lang="en-US" sz="1850" dirty="0">
+                <a:solidFill>
+                  <a:schemeClr val="tx2">
+                    <a:lumMod val="75000"/>
+                  </a:schemeClr>
+                </a:solidFill>
+                <a:latin typeface="Bahnschrift" panose="020B0502040204020203" pitchFamily="34" charset="0"/>
+              </a:rPr>
+              <a:t>After making the repo, I started making some basic ideas about the project.</a:t>
+            </a:r>
+            <a:endParaRPr lang="en" sz="1850" dirty="0">
+              <a:solidFill>
+                <a:schemeClr val="tx2">
+                  <a:lumMod val="75000"/>
+                </a:schemeClr>
+              </a:solidFill>
+              <a:latin typeface="Bahnschrift" panose="020B0502040204020203" pitchFamily="34" charset="0"/>
             </a:endParaRPr>
           </a:p>
         </p:txBody>
@@ -13090,10 +13224,6 @@
           </p:nvPr>
         </p:nvSpPr>
         <p:spPr>
-          <a:xfrm>
-            <a:off x="1163355" y="2967455"/>
-            <a:ext cx="4920000" cy="476000"/>
-          </a:xfrm>
           <a:prstGeom prst="rect">
             <a:avLst/>
           </a:prstGeom>
@@ -13106,22 +13236,54 @@
           <a:p>
             <a:pPr marL="0" indent="0"/>
             <a:r>
-              <a:rPr lang="en" sz="2700" dirty="0">
+              <a:rPr lang="en" sz="2900" dirty="0">
                 <a:solidFill>
                   <a:schemeClr val="tx2">
                     <a:lumMod val="75000"/>
                   </a:schemeClr>
                 </a:solidFill>
               </a:rPr>
-              <a:t>Coming Up With An Idea</a:t>
+              <a:t>Creating the Repository</a:t>
             </a:r>
-            <a:endParaRPr sz="2700" dirty="0">
-              <a:solidFill>
-                <a:schemeClr val="tx2">
-                  <a:lumMod val="75000"/>
-                </a:schemeClr>
-              </a:solidFill>
-            </a:endParaRPr>
+          </a:p>
+        </p:txBody>
+      </p:sp>
+      <p:sp>
+        <p:nvSpPr>
+          <p:cNvPr id="481" name="Google Shape;481;p31"/>
+          <p:cNvSpPr txBox="1">
+            <a:spLocks noGrp="1"/>
+          </p:cNvSpPr>
+          <p:nvPr>
+            <p:ph type="subTitle" idx="4"/>
+          </p:nvPr>
+        </p:nvSpPr>
+        <p:spPr>
+          <a:xfrm>
+            <a:off x="1245651" y="2917467"/>
+            <a:ext cx="5016340" cy="1087200"/>
+          </a:xfrm>
+          <a:prstGeom prst="rect">
+            <a:avLst/>
+          </a:prstGeom>
+        </p:spPr>
+        <p:txBody>
+          <a:bodyPr spcFirstLastPara="1" vert="horz" wrap="square" lIns="121900" tIns="121900" rIns="121900" bIns="121900" rtlCol="0" anchor="t" anchorCtr="0">
+            <a:noAutofit/>
+          </a:bodyPr>
+          <a:lstStyle/>
+          <a:p>
+            <a:r>
+              <a:rPr lang="en-US" sz="1850" dirty="0">
+                <a:solidFill>
+                  <a:schemeClr val="tx2">
+                    <a:lumMod val="75000"/>
+                  </a:schemeClr>
+                </a:solidFill>
+                <a:latin typeface="Bahnschrift"/>
+              </a:rPr>
+              <a:t>I started by creating the GitHub Repository where I would commit my files.</a:t>
+            </a:r>
           </a:p>
         </p:txBody>
       </p:sp>
@@ -13137,7 +13299,7 @@
         </p:nvSpPr>
         <p:spPr>
           <a:xfrm>
-            <a:off x="1680308" y="5451087"/>
+            <a:off x="1762604" y="4969399"/>
             <a:ext cx="3886093" cy="476000"/>
           </a:xfrm>
           <a:prstGeom prst="rect">
@@ -13152,21 +13314,69 @@
           <a:p>
             <a:pPr marL="0" indent="0"/>
             <a:r>
-              <a:rPr lang="en" sz="2700" dirty="0">
+              <a:rPr lang="en-US" sz="2933" dirty="0">
                 <a:solidFill>
                   <a:schemeClr val="tx2">
                     <a:lumMod val="75000"/>
                   </a:schemeClr>
                 </a:solidFill>
               </a:rPr>
-              <a:t>Checking For Errors</a:t>
+              <a:t>Realizing the right idea</a:t>
             </a:r>
-            <a:endParaRPr sz="2700" dirty="0">
+            <a:endParaRPr sz="2933" dirty="0">
               <a:solidFill>
                 <a:schemeClr val="tx2">
                   <a:lumMod val="75000"/>
                 </a:schemeClr>
               </a:solidFill>
+            </a:endParaRPr>
+          </a:p>
+        </p:txBody>
+      </p:sp>
+      <p:sp>
+        <p:nvSpPr>
+          <p:cNvPr id="483" name="Google Shape;483;p31"/>
+          <p:cNvSpPr txBox="1">
+            <a:spLocks noGrp="1"/>
+          </p:cNvSpPr>
+          <p:nvPr>
+            <p:ph type="subTitle" idx="6"/>
+          </p:nvPr>
+        </p:nvSpPr>
+        <p:spPr>
+          <a:xfrm>
+            <a:off x="2048250" y="5469196"/>
+            <a:ext cx="3314800" cy="824800"/>
+          </a:xfrm>
+          <a:prstGeom prst="rect">
+            <a:avLst/>
+          </a:prstGeom>
+        </p:spPr>
+        <p:txBody>
+          <a:bodyPr spcFirstLastPara="1" vert="horz" wrap="square" lIns="121900" tIns="121900" rIns="121900" bIns="121900" rtlCol="0" anchor="t" anchorCtr="0">
+            <a:noAutofit/>
+          </a:bodyPr>
+          <a:lstStyle/>
+          <a:p>
+            <a:pPr marL="0" indent="0"/>
+            <a:r>
+              <a:rPr lang="en-US" sz="1850" dirty="0">
+                <a:solidFill>
+                  <a:schemeClr val="tx2">
+                    <a:lumMod val="75000"/>
+                  </a:schemeClr>
+                </a:solidFill>
+                <a:latin typeface="Bahnschrift"/>
+              </a:rPr>
+              <a:t>After writing down the ideas I choose the best one and started doing it.</a:t>
+            </a:r>
+            <a:endParaRPr lang="en" sz="1850" dirty="0">
+              <a:solidFill>
+                <a:schemeClr val="tx2">
+                  <a:lumMod val="75000"/>
+                </a:schemeClr>
+              </a:solidFill>
+              <a:latin typeface="Bahnschrift" panose="020B0502040204020203" pitchFamily="34" charset="0"/>
             </a:endParaRPr>
           </a:p>
         </p:txBody>
@@ -13183,7 +13393,7 @@
         </p:nvSpPr>
         <p:spPr>
           <a:xfrm>
-            <a:off x="5757237" y="5451087"/>
+            <a:off x="5839533" y="4975599"/>
             <a:ext cx="5585200" cy="476000"/>
           </a:xfrm>
           <a:prstGeom prst="rect">
@@ -13198,7 +13408,7 @@
           <a:p>
             <a:pPr marL="0" indent="0"/>
             <a:r>
-              <a:rPr lang="en" sz="2700" dirty="0">
+              <a:rPr lang="en" sz="2930" dirty="0">
                 <a:solidFill>
                   <a:schemeClr val="tx2">
                     <a:lumMod val="75000"/>
@@ -13208,21 +13418,80 @@
               <a:t>Creating The </a:t>
             </a:r>
             <a:r>
-              <a:rPr lang="en" sz="2700" dirty="0" smtClean="0">
+              <a:rPr lang="en-US" sz="2930" dirty="0">
                 <a:solidFill>
                   <a:schemeClr val="tx2">
                     <a:lumMod val="75000"/>
                   </a:schemeClr>
                 </a:solidFill>
               </a:rPr>
-              <a:t>Presentation and filling out the workbook</a:t>
+              <a:t>Presentation and writing in the workbook</a:t>
             </a:r>
-            <a:endParaRPr sz="2700" dirty="0">
+            <a:endParaRPr sz="2930" dirty="0">
               <a:solidFill>
                 <a:schemeClr val="tx2">
                   <a:lumMod val="75000"/>
                 </a:schemeClr>
               </a:solidFill>
+            </a:endParaRPr>
+          </a:p>
+        </p:txBody>
+      </p:sp>
+      <p:sp>
+        <p:nvSpPr>
+          <p:cNvPr id="485" name="Google Shape;485;p31"/>
+          <p:cNvSpPr txBox="1">
+            <a:spLocks noGrp="1"/>
+          </p:cNvSpPr>
+          <p:nvPr>
+            <p:ph type="subTitle" idx="8"/>
+          </p:nvPr>
+        </p:nvSpPr>
+        <p:spPr>
+          <a:xfrm>
+            <a:off x="6139533" y="5468817"/>
+            <a:ext cx="4985200" cy="824800"/>
+          </a:xfrm>
+          <a:prstGeom prst="rect">
+            <a:avLst/>
+          </a:prstGeom>
+        </p:spPr>
+        <p:txBody>
+          <a:bodyPr spcFirstLastPara="1" vert="horz" wrap="square" lIns="121900" tIns="121900" rIns="121900" bIns="121900" rtlCol="0" anchor="t" anchorCtr="0">
+            <a:noAutofit/>
+          </a:bodyPr>
+          <a:lstStyle/>
+          <a:p>
+            <a:pPr marL="0" indent="0"/>
+            <a:r>
+              <a:rPr lang="en-US" dirty="0">
+                <a:solidFill>
+                  <a:schemeClr val="tx2">
+                    <a:lumMod val="75000"/>
+                  </a:schemeClr>
+                </a:solidFill>
+                <a:latin typeface="Bahnschrift" panose="020B0502040204020203" pitchFamily="34" charset="0"/>
+              </a:rPr>
+              <a:t>After finishing with the code I started doing the presentation and describing the project in </a:t>
+            </a:r>
+            <a:r>
+              <a:rPr lang="en-US">
+                <a:solidFill>
+                  <a:schemeClr val="tx2">
+                    <a:lumMod val="75000"/>
+                  </a:schemeClr>
+                </a:solidFill>
+                <a:latin typeface="Bahnschrift" panose="020B0502040204020203" pitchFamily="34" charset="0"/>
+              </a:rPr>
+              <a:t>the workbook.</a:t>
+            </a:r>
+            <a:endParaRPr dirty="0">
+              <a:solidFill>
+                <a:schemeClr val="tx2">
+                  <a:lumMod val="75000"/>
+                </a:schemeClr>
+              </a:solidFill>
+              <a:latin typeface="Bahnschrift" panose="020B0502040204020203" pitchFamily="34" charset="0"/>
             </a:endParaRPr>
           </a:p>
         </p:txBody>
@@ -13238,10 +13507,6 @@
           </p:nvPr>
         </p:nvSpPr>
         <p:spPr>
-          <a:xfrm>
-            <a:off x="2930555" y="2036972"/>
-            <a:ext cx="1385600" cy="890000"/>
-          </a:xfrm>
           <a:prstGeom prst="rect">
             <a:avLst/>
           </a:prstGeom>
@@ -13283,10 +13548,6 @@
           </p:nvPr>
         </p:nvSpPr>
         <p:spPr>
-          <a:xfrm>
-            <a:off x="7617788" y="2036972"/>
-            <a:ext cx="1385600" cy="890000"/>
-          </a:xfrm>
           <a:prstGeom prst="rect">
             <a:avLst/>
           </a:prstGeom>
@@ -13329,7 +13590,7 @@
         </p:nvSpPr>
         <p:spPr>
           <a:xfrm>
-            <a:off x="7617788" y="4517521"/>
+            <a:off x="7700084" y="4042033"/>
             <a:ext cx="1385600" cy="890000"/>
           </a:xfrm>
           <a:prstGeom prst="rect">
@@ -13374,7 +13635,7 @@
         </p:nvSpPr>
         <p:spPr>
           <a:xfrm>
-            <a:off x="2930555" y="4517521"/>
+            <a:off x="3012851" y="4042033"/>
             <a:ext cx="1385600" cy="890000"/>
           </a:xfrm>
           <a:prstGeom prst="rect">
@@ -13407,251 +13668,6 @@
           </a:p>
         </p:txBody>
       </p:sp>
-    </p:spTree>
-  </p:cSld>
-  <p:clrMapOvr>
-    <a:masterClrMapping/>
-  </p:clrMapOvr>
-  <p:transition spd="med">
-    <p:pull/>
-  </p:transition>
-</p:sld>
-</file>
-
-<file path=ppt/slides/slide5.xml><?xml version="1.0" encoding="utf-8"?>
-<p:sld xmlns:a="http://schemas.openxmlformats.org/drawingml/2006/main" xmlns:r="http://schemas.openxmlformats.org/officeDocument/2006/relationships" xmlns:p="http://schemas.openxmlformats.org/presentationml/2006/main">
-  <p:cSld>
-    <p:spTree>
-      <p:nvGrpSpPr>
-        <p:cNvPr id="1" name="Shape 493"/>
-        <p:cNvGrpSpPr/>
-        <p:nvPr/>
-      </p:nvGrpSpPr>
-      <p:grpSpPr>
-        <a:xfrm>
-          <a:off x="0" y="0"/>
-          <a:ext cx="0" cy="0"/>
-          <a:chOff x="0" y="0"/>
-          <a:chExt cx="0" cy="0"/>
-        </a:xfrm>
-      </p:grpSpPr>
-      <p:sp>
-        <p:nvSpPr>
-          <p:cNvPr id="494" name="Google Shape;494;p32"/>
-          <p:cNvSpPr txBox="1">
-            <a:spLocks noGrp="1"/>
-          </p:cNvSpPr>
-          <p:nvPr>
-            <p:ph type="title"/>
-          </p:nvPr>
-        </p:nvSpPr>
-        <p:spPr>
-          <a:xfrm>
-            <a:off x="2189763" y="155293"/>
-            <a:ext cx="9143339" cy="1878031"/>
-          </a:xfrm>
-          <a:prstGeom prst="rect">
-            <a:avLst/>
-          </a:prstGeom>
-        </p:spPr>
-        <p:txBody>
-          <a:bodyPr spcFirstLastPara="1" vert="horz" wrap="square" lIns="121900" tIns="121900" rIns="121900" bIns="121900" rtlCol="0" anchor="ctr" anchorCtr="0">
-            <a:noAutofit/>
-          </a:bodyPr>
-          <a:lstStyle/>
-          <a:p>
-            <a:pPr algn="ctr"/>
-            <a:r>
-              <a:rPr lang="en" sz="4667" b="1" dirty="0">
-                <a:solidFill>
-                  <a:schemeClr val="tx2">
-                    <a:lumMod val="75000"/>
-                  </a:schemeClr>
-                </a:solidFill>
-                <a:latin typeface="Josefin Sans" pitchFamily="2" charset="0"/>
-              </a:rPr>
-              <a:t>Apps, Tools and Programming Languages We’ve Used</a:t>
-            </a:r>
-            <a:endParaRPr sz="4667" b="1" dirty="0">
-              <a:solidFill>
-                <a:schemeClr val="tx2">
-                  <a:lumMod val="75000"/>
-                </a:schemeClr>
-              </a:solidFill>
-              <a:latin typeface="Josefin Sans" pitchFamily="2" charset="0"/>
-            </a:endParaRPr>
-          </a:p>
-        </p:txBody>
-      </p:sp>
-      <p:pic>
-        <p:nvPicPr>
-          <p:cNvPr id="497" name="Google Shape;497;p32"/>
-          <p:cNvPicPr preferRelativeResize="0"/>
-          <p:nvPr/>
-        </p:nvPicPr>
-        <p:blipFill>
-          <a:blip r:embed="rId3">
-            <a:alphaModFix/>
-          </a:blip>
-          <a:stretch>
-            <a:fillRect/>
-          </a:stretch>
-        </p:blipFill>
-        <p:spPr>
-          <a:xfrm>
-            <a:off x="3316618" y="2226868"/>
-            <a:ext cx="1884705" cy="1781649"/>
-          </a:xfrm>
-          <a:prstGeom prst="rect">
-            <a:avLst/>
-          </a:prstGeom>
-          <a:noFill/>
-          <a:ln>
-            <a:noFill/>
-          </a:ln>
-        </p:spPr>
-      </p:pic>
-      <p:pic>
-        <p:nvPicPr>
-          <p:cNvPr id="3076" name="Picture 4">
-            <a:extLst>
-              <a:ext uri="{FF2B5EF4-FFF2-40B4-BE49-F238E27FC236}">
-                <a16:creationId xmlns:a16="http://schemas.microsoft.com/office/drawing/2014/main" id="{05C7DB04-70CA-851C-86F8-69715CA70FFA}"/>
-              </a:ext>
-            </a:extLst>
-          </p:cNvPr>
-          <p:cNvPicPr>
-            <a:picLocks noChangeAspect="1" noChangeArrowheads="1"/>
-          </p:cNvPicPr>
-          <p:nvPr/>
-        </p:nvPicPr>
-        <p:blipFill>
-          <a:blip r:embed="rId4" cstate="hqprint">
-            <a:extLst>
-              <a:ext uri="{28A0092B-C50C-407E-A947-70E740481C1C}">
-                <a14:useLocalDpi xmlns:a14="http://schemas.microsoft.com/office/drawing/2010/main" val="0"/>
-              </a:ext>
-            </a:extLst>
-          </a:blip>
-          <a:srcRect/>
-          <a:stretch>
-            <a:fillRect/>
-          </a:stretch>
-        </p:blipFill>
-        <p:spPr bwMode="auto">
-          <a:xfrm>
-            <a:off x="3439961" y="4409591"/>
-            <a:ext cx="1638020" cy="1523412"/>
-          </a:xfrm>
-          <a:prstGeom prst="rect">
-            <a:avLst/>
-          </a:prstGeom>
-          <a:noFill/>
-          <a:extLst>
-            <a:ext uri="{909E8E84-426E-40DD-AFC4-6F175D3DCCD1}">
-              <a14:hiddenFill xmlns:a14="http://schemas.microsoft.com/office/drawing/2010/main">
-                <a:solidFill>
-                  <a:srgbClr val="FFFFFF"/>
-                </a:solidFill>
-              </a14:hiddenFill>
-            </a:ext>
-          </a:extLst>
-        </p:spPr>
-      </p:pic>
-      <p:pic>
-        <p:nvPicPr>
-          <p:cNvPr id="3080" name="Picture 8">
-            <a:extLst>
-              <a:ext uri="{FF2B5EF4-FFF2-40B4-BE49-F238E27FC236}">
-                <a16:creationId xmlns:a16="http://schemas.microsoft.com/office/drawing/2014/main" id="{11536402-F150-48A5-F8E6-E6B6C9381BB4}"/>
-              </a:ext>
-            </a:extLst>
-          </p:cNvPr>
-          <p:cNvPicPr>
-            <a:picLocks noChangeAspect="1" noChangeArrowheads="1"/>
-          </p:cNvPicPr>
-          <p:nvPr/>
-        </p:nvPicPr>
-        <p:blipFill>
-          <a:blip r:embed="rId5" cstate="hqprint">
-            <a:extLst>
-              <a:ext uri="{28A0092B-C50C-407E-A947-70E740481C1C}">
-                <a14:useLocalDpi xmlns:a14="http://schemas.microsoft.com/office/drawing/2010/main" val="0"/>
-              </a:ext>
-            </a:extLst>
-          </a:blip>
-          <a:srcRect/>
-          <a:stretch>
-            <a:fillRect/>
-          </a:stretch>
-        </p:blipFill>
-        <p:spPr bwMode="auto">
-          <a:xfrm>
-            <a:off x="6905210" y="2298683"/>
-            <a:ext cx="1638020" cy="1638020"/>
-          </a:xfrm>
-          <a:prstGeom prst="rect">
-            <a:avLst/>
-          </a:prstGeom>
-          <a:noFill/>
-          <a:extLst>
-            <a:ext uri="{909E8E84-426E-40DD-AFC4-6F175D3DCCD1}">
-              <a14:hiddenFill xmlns:a14="http://schemas.microsoft.com/office/drawing/2010/main">
-                <a:solidFill>
-                  <a:srgbClr val="FFFFFF"/>
-                </a:solidFill>
-              </a14:hiddenFill>
-            </a:ext>
-          </a:extLst>
-        </p:spPr>
-      </p:pic>
-      <p:pic>
-        <p:nvPicPr>
-          <p:cNvPr id="3084" name="Picture 12" descr="C++ - Wikipedia">
-            <a:extLst>
-              <a:ext uri="{FF2B5EF4-FFF2-40B4-BE49-F238E27FC236}">
-                <a16:creationId xmlns:a16="http://schemas.microsoft.com/office/drawing/2014/main" id="{1E9466EB-D93D-69B7-1944-375EC7EBA990}"/>
-              </a:ext>
-            </a:extLst>
-          </p:cNvPr>
-          <p:cNvPicPr>
-            <a:picLocks noChangeAspect="1" noChangeArrowheads="1"/>
-          </p:cNvPicPr>
-          <p:nvPr/>
-        </p:nvPicPr>
-        <p:blipFill>
-          <a:blip r:embed="rId6" cstate="hqprint">
-            <a:extLst>
-              <a:ext uri="{28A0092B-C50C-407E-A947-70E740481C1C}">
-                <a14:useLocalDpi xmlns:a14="http://schemas.microsoft.com/office/drawing/2010/main" val="0"/>
-              </a:ext>
-            </a:extLst>
-          </a:blip>
-          <a:srcRect/>
-          <a:stretch>
-            <a:fillRect/>
-          </a:stretch>
-        </p:blipFill>
-        <p:spPr bwMode="auto">
-          <a:xfrm>
-            <a:off x="7028552" y="4409591"/>
-            <a:ext cx="1391336" cy="1563624"/>
-          </a:xfrm>
-          <a:prstGeom prst="rect">
-            <a:avLst/>
-          </a:prstGeom>
-          <a:noFill/>
-          <a:extLst>
-            <a:ext uri="{909E8E84-426E-40DD-AFC4-6F175D3DCCD1}">
-              <a14:hiddenFill xmlns:a14="http://schemas.microsoft.com/office/drawing/2010/main">
-                <a:solidFill>
-                  <a:srgbClr val="FFFFFF"/>
-                </a:solidFill>
-              </a14:hiddenFill>
-            </a:ext>
-          </a:extLst>
-        </p:spPr>
-      </p:pic>
     </p:spTree>
   </p:cSld>
   <p:clrMapOvr>
@@ -13692,8 +13708,8 @@
         </p:nvSpPr>
         <p:spPr>
           <a:xfrm>
-            <a:off x="202692" y="1980430"/>
-            <a:ext cx="11585448" cy="2897140"/>
+            <a:off x="201168" y="1674860"/>
+            <a:ext cx="10419600" cy="2897140"/>
           </a:xfrm>
           <a:prstGeom prst="rect">
             <a:avLst/>
@@ -13707,7 +13723,7 @@
           <a:p>
             <a:pPr algn="ctr"/>
             <a:r>
-              <a:rPr lang="en" sz="9000" b="1" dirty="0">
+              <a:rPr lang="en-US" sz="10000" b="1" dirty="0">
                 <a:solidFill>
                   <a:schemeClr val="tx2">
                     <a:lumMod val="75000"/>
@@ -13715,20 +13731,9 @@
                 </a:solidFill>
                 <a:latin typeface="Josefin Sans" pitchFamily="2" charset="0"/>
               </a:rPr>
-              <a:t>Now onto the </a:t>
+              <a:t>Now onto the project</a:t>
             </a:r>
-            <a:r>
-              <a:rPr lang="en" sz="9000" b="1" dirty="0" smtClean="0">
-                <a:solidFill>
-                  <a:schemeClr val="tx2">
-                    <a:lumMod val="75000"/>
-                  </a:schemeClr>
-                </a:solidFill>
-                <a:latin typeface="Josefin Sans" pitchFamily="2" charset="0"/>
-              </a:rPr>
-              <a:t>project</a:t>
-            </a:r>
-            <a:endParaRPr sz="9000" b="1" dirty="0">
+            <a:endParaRPr sz="10000" b="1" dirty="0">
               <a:solidFill>
                 <a:schemeClr val="tx2">
                   <a:lumMod val="75000"/>
@@ -13740,86 +13745,6 @@
         </p:txBody>
       </p:sp>
     </p:spTree>
-  </p:cSld>
-  <p:clrMapOvr>
-    <a:masterClrMapping/>
-  </p:clrMapOvr>
-  <p:transition spd="med">
-    <p:pull/>
-  </p:transition>
-</p:sld>
-</file>
-
-<file path=ppt/slides/slide7.xml><?xml version="1.0" encoding="utf-8"?>
-<p:sld xmlns:a="http://schemas.openxmlformats.org/drawingml/2006/main" xmlns:r="http://schemas.openxmlformats.org/officeDocument/2006/relationships" xmlns:p="http://schemas.openxmlformats.org/presentationml/2006/main">
-  <p:cSld>
-    <p:spTree>
-      <p:nvGrpSpPr>
-        <p:cNvPr id="1" name="Shape 504"/>
-        <p:cNvGrpSpPr/>
-        <p:nvPr/>
-      </p:nvGrpSpPr>
-      <p:grpSpPr>
-        <a:xfrm>
-          <a:off x="0" y="0"/>
-          <a:ext cx="0" cy="0"/>
-          <a:chOff x="0" y="0"/>
-          <a:chExt cx="0" cy="0"/>
-        </a:xfrm>
-      </p:grpSpPr>
-      <p:sp>
-        <p:nvSpPr>
-          <p:cNvPr id="505" name="Google Shape;505;p33"/>
-          <p:cNvSpPr txBox="1">
-            <a:spLocks noGrp="1"/>
-          </p:cNvSpPr>
-          <p:nvPr>
-            <p:ph type="title"/>
-          </p:nvPr>
-        </p:nvSpPr>
-        <p:spPr>
-          <a:xfrm>
-            <a:off x="303276" y="2117590"/>
-            <a:ext cx="11585448" cy="2897140"/>
-          </a:xfrm>
-          <a:prstGeom prst="rect">
-            <a:avLst/>
-          </a:prstGeom>
-        </p:spPr>
-        <p:txBody>
-          <a:bodyPr spcFirstLastPara="1" vert="horz" wrap="square" lIns="121900" tIns="121900" rIns="121900" bIns="121900" rtlCol="0" anchor="ctr" anchorCtr="0">
-            <a:noAutofit/>
-          </a:bodyPr>
-          <a:lstStyle/>
-          <a:p>
-            <a:r>
-              <a:rPr lang="en" sz="9000" b="1" dirty="0">
-                <a:solidFill>
-                  <a:schemeClr val="tx2">
-                    <a:lumMod val="75000"/>
-                  </a:schemeClr>
-                </a:solidFill>
-                <a:latin typeface="Josefin Sans" pitchFamily="2" charset="0"/>
-              </a:rPr>
-              <a:t>Thank you for your attention!</a:t>
-            </a:r>
-            <a:endParaRPr sz="9000" b="1" dirty="0">
-              <a:solidFill>
-                <a:schemeClr val="tx2">
-                  <a:lumMod val="75000"/>
-                </a:schemeClr>
-              </a:solidFill>
-              <a:latin typeface="Josefin Sans" pitchFamily="2" charset="0"/>
-            </a:endParaRPr>
-          </a:p>
-        </p:txBody>
-      </p:sp>
-    </p:spTree>
-    <p:extLst>
-      <p:ext uri="{BB962C8B-B14F-4D97-AF65-F5344CB8AC3E}">
-        <p14:creationId xmlns:p14="http://schemas.microsoft.com/office/powerpoint/2010/main" val="2878225783"/>
-      </p:ext>
-    </p:extLst>
   </p:cSld>
   <p:clrMapOvr>
     <a:masterClrMapping/>
@@ -13833,42 +13758,42 @@
 <file path=ppt/theme/theme1.xml><?xml version="1.0" encoding="utf-8"?>
 <a:theme xmlns:a="http://schemas.openxmlformats.org/drawingml/2006/main" name="Office Theme">
   <a:themeElements>
-    <a:clrScheme name="The Boys">
+    <a:clrScheme name="Custom 2">
       <a:dk1>
-        <a:srgbClr val="591200"/>
+        <a:srgbClr val="0070C0"/>
       </a:dk1>
       <a:lt1>
-        <a:sysClr val="window" lastClr="FFFFFF"/>
+        <a:srgbClr val="EBF5F8"/>
       </a:lt1>
       <a:dk2>
-        <a:srgbClr val="851C00"/>
+        <a:srgbClr val="0070C0"/>
       </a:dk2>
       <a:lt2>
-        <a:srgbClr val="F49C00"/>
+        <a:srgbClr val="00B050"/>
       </a:lt2>
       <a:accent1>
-        <a:srgbClr val="E84C22"/>
+        <a:srgbClr val="0070C0"/>
       </a:accent1>
       <a:accent2>
-        <a:srgbClr val="FFBD47"/>
+        <a:srgbClr val="0070C0"/>
       </a:accent2>
       <a:accent3>
-        <a:srgbClr val="B64926"/>
+        <a:srgbClr val="005827"/>
       </a:accent3>
       <a:accent4>
-        <a:srgbClr val="FF8427"/>
+        <a:srgbClr val="66A5BB"/>
       </a:accent4>
       <a:accent5>
-        <a:srgbClr val="CC9900"/>
+        <a:srgbClr val="005827"/>
       </a:accent5>
       <a:accent6>
-        <a:srgbClr val="B22600"/>
+        <a:srgbClr val="005390"/>
       </a:accent6>
       <a:hlink>
-        <a:srgbClr val="CC9900"/>
+        <a:srgbClr val="285E89"/>
       </a:hlink>
       <a:folHlink>
-        <a:srgbClr val="666699"/>
+        <a:srgbClr val="00B050"/>
       </a:folHlink>
     </a:clrScheme>
     <a:fontScheme name="Office">
